--- a/Presentazione.pptx
+++ b/Presentazione.pptx
@@ -125,6 +125,11 @@
       </a:defRPr>
     </a:lvl9pPr>
   </p:defaultTextStyle>
+  <p:extLst>
+    <p:ext uri="{EFAFB233-063F-42B5-8137-9DF3F51BA10A}">
+      <p15:sldGuideLst xmlns:p15="http://schemas.microsoft.com/office/powerpoint/2012/main"/>
+    </p:ext>
+  </p:extLst>
 </p:presentation>
 </file>
 
@@ -150,7 +155,7 @@
           <p:cNvPr id="2" name="Titolo 1">
             <a:extLst>
               <a:ext uri="{FF2B5EF4-FFF2-40B4-BE49-F238E27FC236}">
-                <a16:creationId xmlns:a16="http://schemas.microsoft.com/office/drawing/2014/main" id="{EEDF083E-5C32-45C8-84C0-A7509AA3EDBF}"/>
+                <a16:creationId xmlns:a16="http://schemas.microsoft.com/office/drawing/2014/main" xmlns="" id="{EEDF083E-5C32-45C8-84C0-A7509AA3EDBF}"/>
               </a:ext>
             </a:extLst>
           </p:cNvPr>
@@ -187,7 +192,7 @@
           <p:cNvPr id="3" name="Sottotitolo 2">
             <a:extLst>
               <a:ext uri="{FF2B5EF4-FFF2-40B4-BE49-F238E27FC236}">
-                <a16:creationId xmlns:a16="http://schemas.microsoft.com/office/drawing/2014/main" id="{834D401C-6059-4A38-83D3-25A12951DF07}"/>
+                <a16:creationId xmlns:a16="http://schemas.microsoft.com/office/drawing/2014/main" xmlns="" id="{834D401C-6059-4A38-83D3-25A12951DF07}"/>
               </a:ext>
             </a:extLst>
           </p:cNvPr>
@@ -257,7 +262,7 @@
           <p:cNvPr id="4" name="Segnaposto data 3">
             <a:extLst>
               <a:ext uri="{FF2B5EF4-FFF2-40B4-BE49-F238E27FC236}">
-                <a16:creationId xmlns:a16="http://schemas.microsoft.com/office/drawing/2014/main" id="{053D72B2-F80D-493D-BD9C-7B60937F5D25}"/>
+                <a16:creationId xmlns:a16="http://schemas.microsoft.com/office/drawing/2014/main" xmlns="" id="{053D72B2-F80D-493D-BD9C-7B60937F5D25}"/>
               </a:ext>
             </a:extLst>
           </p:cNvPr>
@@ -275,7 +280,7 @@
           <a:p>
             <a:fld id="{AC1E5FCC-6EAD-4C1E-BCE1-87BE87F79D7F}" type="datetimeFigureOut">
               <a:rPr lang="it-IT" smtClean="0"/>
-              <a:t>06/11/2017</a:t>
+              <a:t>07/11/2017</a:t>
             </a:fld>
             <a:endParaRPr lang="it-IT"/>
           </a:p>
@@ -286,7 +291,7 @@
           <p:cNvPr id="5" name="Segnaposto piè di pagina 4">
             <a:extLst>
               <a:ext uri="{FF2B5EF4-FFF2-40B4-BE49-F238E27FC236}">
-                <a16:creationId xmlns:a16="http://schemas.microsoft.com/office/drawing/2014/main" id="{05491B18-F7FA-494B-8DB9-8839DB2A0FA1}"/>
+                <a16:creationId xmlns:a16="http://schemas.microsoft.com/office/drawing/2014/main" xmlns="" id="{05491B18-F7FA-494B-8DB9-8839DB2A0FA1}"/>
               </a:ext>
             </a:extLst>
           </p:cNvPr>
@@ -311,7 +316,7 @@
           <p:cNvPr id="6" name="Segnaposto numero diapositiva 5">
             <a:extLst>
               <a:ext uri="{FF2B5EF4-FFF2-40B4-BE49-F238E27FC236}">
-                <a16:creationId xmlns:a16="http://schemas.microsoft.com/office/drawing/2014/main" id="{13F0B68E-31AB-4995-8020-B15A39B06FF2}"/>
+                <a16:creationId xmlns:a16="http://schemas.microsoft.com/office/drawing/2014/main" xmlns="" id="{13F0B68E-31AB-4995-8020-B15A39B06FF2}"/>
               </a:ext>
             </a:extLst>
           </p:cNvPr>
@@ -370,7 +375,7 @@
           <p:cNvPr id="2" name="Titolo 1">
             <a:extLst>
               <a:ext uri="{FF2B5EF4-FFF2-40B4-BE49-F238E27FC236}">
-                <a16:creationId xmlns:a16="http://schemas.microsoft.com/office/drawing/2014/main" id="{9B13B2FB-95DF-44FB-A1C2-E22371F1A946}"/>
+                <a16:creationId xmlns:a16="http://schemas.microsoft.com/office/drawing/2014/main" xmlns="" id="{9B13B2FB-95DF-44FB-A1C2-E22371F1A946}"/>
               </a:ext>
             </a:extLst>
           </p:cNvPr>
@@ -398,7 +403,7 @@
           <p:cNvPr id="3" name="Segnaposto testo verticale 2">
             <a:extLst>
               <a:ext uri="{FF2B5EF4-FFF2-40B4-BE49-F238E27FC236}">
-                <a16:creationId xmlns:a16="http://schemas.microsoft.com/office/drawing/2014/main" id="{27B89711-0CCE-4315-A4AA-B068814408B5}"/>
+                <a16:creationId xmlns:a16="http://schemas.microsoft.com/office/drawing/2014/main" xmlns="" id="{27B89711-0CCE-4315-A4AA-B068814408B5}"/>
               </a:ext>
             </a:extLst>
           </p:cNvPr>
@@ -455,7 +460,7 @@
           <p:cNvPr id="4" name="Segnaposto data 3">
             <a:extLst>
               <a:ext uri="{FF2B5EF4-FFF2-40B4-BE49-F238E27FC236}">
-                <a16:creationId xmlns:a16="http://schemas.microsoft.com/office/drawing/2014/main" id="{DFE43BFE-0598-46BF-B86F-91EE8B00A1C7}"/>
+                <a16:creationId xmlns:a16="http://schemas.microsoft.com/office/drawing/2014/main" xmlns="" id="{DFE43BFE-0598-46BF-B86F-91EE8B00A1C7}"/>
               </a:ext>
             </a:extLst>
           </p:cNvPr>
@@ -473,7 +478,7 @@
           <a:p>
             <a:fld id="{AC1E5FCC-6EAD-4C1E-BCE1-87BE87F79D7F}" type="datetimeFigureOut">
               <a:rPr lang="it-IT" smtClean="0"/>
-              <a:t>06/11/2017</a:t>
+              <a:t>07/11/2017</a:t>
             </a:fld>
             <a:endParaRPr lang="it-IT"/>
           </a:p>
@@ -484,7 +489,7 @@
           <p:cNvPr id="5" name="Segnaposto piè di pagina 4">
             <a:extLst>
               <a:ext uri="{FF2B5EF4-FFF2-40B4-BE49-F238E27FC236}">
-                <a16:creationId xmlns:a16="http://schemas.microsoft.com/office/drawing/2014/main" id="{051C558B-210C-4036-AC2B-7C7F7C7802B8}"/>
+                <a16:creationId xmlns:a16="http://schemas.microsoft.com/office/drawing/2014/main" xmlns="" id="{051C558B-210C-4036-AC2B-7C7F7C7802B8}"/>
               </a:ext>
             </a:extLst>
           </p:cNvPr>
@@ -509,7 +514,7 @@
           <p:cNvPr id="6" name="Segnaposto numero diapositiva 5">
             <a:extLst>
               <a:ext uri="{FF2B5EF4-FFF2-40B4-BE49-F238E27FC236}">
-                <a16:creationId xmlns:a16="http://schemas.microsoft.com/office/drawing/2014/main" id="{18A856D8-003A-463F-9281-055C2FBE01F5}"/>
+                <a16:creationId xmlns:a16="http://schemas.microsoft.com/office/drawing/2014/main" xmlns="" id="{18A856D8-003A-463F-9281-055C2FBE01F5}"/>
               </a:ext>
             </a:extLst>
           </p:cNvPr>
@@ -568,7 +573,7 @@
           <p:cNvPr id="2" name="Titolo verticale 1">
             <a:extLst>
               <a:ext uri="{FF2B5EF4-FFF2-40B4-BE49-F238E27FC236}">
-                <a16:creationId xmlns:a16="http://schemas.microsoft.com/office/drawing/2014/main" id="{E271703A-0BA9-4597-98E2-36AA8DFFBA07}"/>
+                <a16:creationId xmlns:a16="http://schemas.microsoft.com/office/drawing/2014/main" xmlns="" id="{E271703A-0BA9-4597-98E2-36AA8DFFBA07}"/>
               </a:ext>
             </a:extLst>
           </p:cNvPr>
@@ -601,7 +606,7 @@
           <p:cNvPr id="3" name="Segnaposto testo verticale 2">
             <a:extLst>
               <a:ext uri="{FF2B5EF4-FFF2-40B4-BE49-F238E27FC236}">
-                <a16:creationId xmlns:a16="http://schemas.microsoft.com/office/drawing/2014/main" id="{2609332B-3C56-44A1-A08C-BEC63EA2F22A}"/>
+                <a16:creationId xmlns:a16="http://schemas.microsoft.com/office/drawing/2014/main" xmlns="" id="{2609332B-3C56-44A1-A08C-BEC63EA2F22A}"/>
               </a:ext>
             </a:extLst>
           </p:cNvPr>
@@ -663,7 +668,7 @@
           <p:cNvPr id="4" name="Segnaposto data 3">
             <a:extLst>
               <a:ext uri="{FF2B5EF4-FFF2-40B4-BE49-F238E27FC236}">
-                <a16:creationId xmlns:a16="http://schemas.microsoft.com/office/drawing/2014/main" id="{4967F576-E003-4939-86EE-A40F0F31A291}"/>
+                <a16:creationId xmlns:a16="http://schemas.microsoft.com/office/drawing/2014/main" xmlns="" id="{4967F576-E003-4939-86EE-A40F0F31A291}"/>
               </a:ext>
             </a:extLst>
           </p:cNvPr>
@@ -681,7 +686,7 @@
           <a:p>
             <a:fld id="{AC1E5FCC-6EAD-4C1E-BCE1-87BE87F79D7F}" type="datetimeFigureOut">
               <a:rPr lang="it-IT" smtClean="0"/>
-              <a:t>06/11/2017</a:t>
+              <a:t>07/11/2017</a:t>
             </a:fld>
             <a:endParaRPr lang="it-IT"/>
           </a:p>
@@ -692,7 +697,7 @@
           <p:cNvPr id="5" name="Segnaposto piè di pagina 4">
             <a:extLst>
               <a:ext uri="{FF2B5EF4-FFF2-40B4-BE49-F238E27FC236}">
-                <a16:creationId xmlns:a16="http://schemas.microsoft.com/office/drawing/2014/main" id="{E97D3E2E-66ED-4423-BFB3-0485260E7121}"/>
+                <a16:creationId xmlns:a16="http://schemas.microsoft.com/office/drawing/2014/main" xmlns="" id="{E97D3E2E-66ED-4423-BFB3-0485260E7121}"/>
               </a:ext>
             </a:extLst>
           </p:cNvPr>
@@ -717,7 +722,7 @@
           <p:cNvPr id="6" name="Segnaposto numero diapositiva 5">
             <a:extLst>
               <a:ext uri="{FF2B5EF4-FFF2-40B4-BE49-F238E27FC236}">
-                <a16:creationId xmlns:a16="http://schemas.microsoft.com/office/drawing/2014/main" id="{2DC716CB-A017-4BD6-A537-92B0B0105D4F}"/>
+                <a16:creationId xmlns:a16="http://schemas.microsoft.com/office/drawing/2014/main" xmlns="" id="{2DC716CB-A017-4BD6-A537-92B0B0105D4F}"/>
               </a:ext>
             </a:extLst>
           </p:cNvPr>
@@ -776,7 +781,7 @@
           <p:cNvPr id="2" name="Titolo 1">
             <a:extLst>
               <a:ext uri="{FF2B5EF4-FFF2-40B4-BE49-F238E27FC236}">
-                <a16:creationId xmlns:a16="http://schemas.microsoft.com/office/drawing/2014/main" id="{438BC1DE-0BD2-4623-AD07-008231CA74DC}"/>
+                <a16:creationId xmlns:a16="http://schemas.microsoft.com/office/drawing/2014/main" xmlns="" id="{438BC1DE-0BD2-4623-AD07-008231CA74DC}"/>
               </a:ext>
             </a:extLst>
           </p:cNvPr>
@@ -804,7 +809,7 @@
           <p:cNvPr id="3" name="Segnaposto contenuto 2">
             <a:extLst>
               <a:ext uri="{FF2B5EF4-FFF2-40B4-BE49-F238E27FC236}">
-                <a16:creationId xmlns:a16="http://schemas.microsoft.com/office/drawing/2014/main" id="{A5D5C154-7CC9-4AB8-9600-842C818D26D1}"/>
+                <a16:creationId xmlns:a16="http://schemas.microsoft.com/office/drawing/2014/main" xmlns="" id="{A5D5C154-7CC9-4AB8-9600-842C818D26D1}"/>
               </a:ext>
             </a:extLst>
           </p:cNvPr>
@@ -861,7 +866,7 @@
           <p:cNvPr id="4" name="Segnaposto data 3">
             <a:extLst>
               <a:ext uri="{FF2B5EF4-FFF2-40B4-BE49-F238E27FC236}">
-                <a16:creationId xmlns:a16="http://schemas.microsoft.com/office/drawing/2014/main" id="{705DD5A5-59C8-4C9E-912C-01E9F3D0BFF5}"/>
+                <a16:creationId xmlns:a16="http://schemas.microsoft.com/office/drawing/2014/main" xmlns="" id="{705DD5A5-59C8-4C9E-912C-01E9F3D0BFF5}"/>
               </a:ext>
             </a:extLst>
           </p:cNvPr>
@@ -879,7 +884,7 @@
           <a:p>
             <a:fld id="{AC1E5FCC-6EAD-4C1E-BCE1-87BE87F79D7F}" type="datetimeFigureOut">
               <a:rPr lang="it-IT" smtClean="0"/>
-              <a:t>06/11/2017</a:t>
+              <a:t>07/11/2017</a:t>
             </a:fld>
             <a:endParaRPr lang="it-IT"/>
           </a:p>
@@ -890,7 +895,7 @@
           <p:cNvPr id="5" name="Segnaposto piè di pagina 4">
             <a:extLst>
               <a:ext uri="{FF2B5EF4-FFF2-40B4-BE49-F238E27FC236}">
-                <a16:creationId xmlns:a16="http://schemas.microsoft.com/office/drawing/2014/main" id="{02EDA583-5170-42AE-906A-81BCFB6B4DEA}"/>
+                <a16:creationId xmlns:a16="http://schemas.microsoft.com/office/drawing/2014/main" xmlns="" id="{02EDA583-5170-42AE-906A-81BCFB6B4DEA}"/>
               </a:ext>
             </a:extLst>
           </p:cNvPr>
@@ -915,7 +920,7 @@
           <p:cNvPr id="6" name="Segnaposto numero diapositiva 5">
             <a:extLst>
               <a:ext uri="{FF2B5EF4-FFF2-40B4-BE49-F238E27FC236}">
-                <a16:creationId xmlns:a16="http://schemas.microsoft.com/office/drawing/2014/main" id="{CB0131DD-EFB8-4C94-924E-14EEA7140017}"/>
+                <a16:creationId xmlns:a16="http://schemas.microsoft.com/office/drawing/2014/main" xmlns="" id="{CB0131DD-EFB8-4C94-924E-14EEA7140017}"/>
               </a:ext>
             </a:extLst>
           </p:cNvPr>
@@ -974,7 +979,7 @@
           <p:cNvPr id="2" name="Titolo 1">
             <a:extLst>
               <a:ext uri="{FF2B5EF4-FFF2-40B4-BE49-F238E27FC236}">
-                <a16:creationId xmlns:a16="http://schemas.microsoft.com/office/drawing/2014/main" id="{23212A90-1E41-434A-9C2A-5132AF3629DC}"/>
+                <a16:creationId xmlns:a16="http://schemas.microsoft.com/office/drawing/2014/main" xmlns="" id="{23212A90-1E41-434A-9C2A-5132AF3629DC}"/>
               </a:ext>
             </a:extLst>
           </p:cNvPr>
@@ -1011,7 +1016,7 @@
           <p:cNvPr id="3" name="Segnaposto testo 2">
             <a:extLst>
               <a:ext uri="{FF2B5EF4-FFF2-40B4-BE49-F238E27FC236}">
-                <a16:creationId xmlns:a16="http://schemas.microsoft.com/office/drawing/2014/main" id="{51849DBF-061E-442A-BA7F-6B8994E07329}"/>
+                <a16:creationId xmlns:a16="http://schemas.microsoft.com/office/drawing/2014/main" xmlns="" id="{51849DBF-061E-442A-BA7F-6B8994E07329}"/>
               </a:ext>
             </a:extLst>
           </p:cNvPr>
@@ -1136,7 +1141,7 @@
           <p:cNvPr id="4" name="Segnaposto data 3">
             <a:extLst>
               <a:ext uri="{FF2B5EF4-FFF2-40B4-BE49-F238E27FC236}">
-                <a16:creationId xmlns:a16="http://schemas.microsoft.com/office/drawing/2014/main" id="{0BACBBD4-0D7C-46DB-9BC7-D29D30CF9C7A}"/>
+                <a16:creationId xmlns:a16="http://schemas.microsoft.com/office/drawing/2014/main" xmlns="" id="{0BACBBD4-0D7C-46DB-9BC7-D29D30CF9C7A}"/>
               </a:ext>
             </a:extLst>
           </p:cNvPr>
@@ -1154,7 +1159,7 @@
           <a:p>
             <a:fld id="{AC1E5FCC-6EAD-4C1E-BCE1-87BE87F79D7F}" type="datetimeFigureOut">
               <a:rPr lang="it-IT" smtClean="0"/>
-              <a:t>06/11/2017</a:t>
+              <a:t>07/11/2017</a:t>
             </a:fld>
             <a:endParaRPr lang="it-IT"/>
           </a:p>
@@ -1165,7 +1170,7 @@
           <p:cNvPr id="5" name="Segnaposto piè di pagina 4">
             <a:extLst>
               <a:ext uri="{FF2B5EF4-FFF2-40B4-BE49-F238E27FC236}">
-                <a16:creationId xmlns:a16="http://schemas.microsoft.com/office/drawing/2014/main" id="{9A4D5919-D0FB-4344-A186-19B6E1BEEFA5}"/>
+                <a16:creationId xmlns:a16="http://schemas.microsoft.com/office/drawing/2014/main" xmlns="" id="{9A4D5919-D0FB-4344-A186-19B6E1BEEFA5}"/>
               </a:ext>
             </a:extLst>
           </p:cNvPr>
@@ -1190,7 +1195,7 @@
           <p:cNvPr id="6" name="Segnaposto numero diapositiva 5">
             <a:extLst>
               <a:ext uri="{FF2B5EF4-FFF2-40B4-BE49-F238E27FC236}">
-                <a16:creationId xmlns:a16="http://schemas.microsoft.com/office/drawing/2014/main" id="{A34C5C0F-8F39-4AD2-B0B4-F7A78770FCDF}"/>
+                <a16:creationId xmlns:a16="http://schemas.microsoft.com/office/drawing/2014/main" xmlns="" id="{A34C5C0F-8F39-4AD2-B0B4-F7A78770FCDF}"/>
               </a:ext>
             </a:extLst>
           </p:cNvPr>
@@ -1249,7 +1254,7 @@
           <p:cNvPr id="2" name="Titolo 1">
             <a:extLst>
               <a:ext uri="{FF2B5EF4-FFF2-40B4-BE49-F238E27FC236}">
-                <a16:creationId xmlns:a16="http://schemas.microsoft.com/office/drawing/2014/main" id="{5477A99A-5772-4DBF-84E1-3310A33FBF35}"/>
+                <a16:creationId xmlns:a16="http://schemas.microsoft.com/office/drawing/2014/main" xmlns="" id="{5477A99A-5772-4DBF-84E1-3310A33FBF35}"/>
               </a:ext>
             </a:extLst>
           </p:cNvPr>
@@ -1277,7 +1282,7 @@
           <p:cNvPr id="3" name="Segnaposto contenuto 2">
             <a:extLst>
               <a:ext uri="{FF2B5EF4-FFF2-40B4-BE49-F238E27FC236}">
-                <a16:creationId xmlns:a16="http://schemas.microsoft.com/office/drawing/2014/main" id="{5E33D920-41E8-49E5-9534-71F609FE1CB4}"/>
+                <a16:creationId xmlns:a16="http://schemas.microsoft.com/office/drawing/2014/main" xmlns="" id="{5E33D920-41E8-49E5-9534-71F609FE1CB4}"/>
               </a:ext>
             </a:extLst>
           </p:cNvPr>
@@ -1339,7 +1344,7 @@
           <p:cNvPr id="4" name="Segnaposto contenuto 3">
             <a:extLst>
               <a:ext uri="{FF2B5EF4-FFF2-40B4-BE49-F238E27FC236}">
-                <a16:creationId xmlns:a16="http://schemas.microsoft.com/office/drawing/2014/main" id="{D0B1577E-DBEA-42D8-9176-04CB0695EC43}"/>
+                <a16:creationId xmlns:a16="http://schemas.microsoft.com/office/drawing/2014/main" xmlns="" id="{D0B1577E-DBEA-42D8-9176-04CB0695EC43}"/>
               </a:ext>
             </a:extLst>
           </p:cNvPr>
@@ -1401,7 +1406,7 @@
           <p:cNvPr id="5" name="Segnaposto data 4">
             <a:extLst>
               <a:ext uri="{FF2B5EF4-FFF2-40B4-BE49-F238E27FC236}">
-                <a16:creationId xmlns:a16="http://schemas.microsoft.com/office/drawing/2014/main" id="{A3855AA7-29BF-4954-A0D3-AF890676A870}"/>
+                <a16:creationId xmlns:a16="http://schemas.microsoft.com/office/drawing/2014/main" xmlns="" id="{A3855AA7-29BF-4954-A0D3-AF890676A870}"/>
               </a:ext>
             </a:extLst>
           </p:cNvPr>
@@ -1419,7 +1424,7 @@
           <a:p>
             <a:fld id="{AC1E5FCC-6EAD-4C1E-BCE1-87BE87F79D7F}" type="datetimeFigureOut">
               <a:rPr lang="it-IT" smtClean="0"/>
-              <a:t>06/11/2017</a:t>
+              <a:t>07/11/2017</a:t>
             </a:fld>
             <a:endParaRPr lang="it-IT"/>
           </a:p>
@@ -1430,7 +1435,7 @@
           <p:cNvPr id="6" name="Segnaposto piè di pagina 5">
             <a:extLst>
               <a:ext uri="{FF2B5EF4-FFF2-40B4-BE49-F238E27FC236}">
-                <a16:creationId xmlns:a16="http://schemas.microsoft.com/office/drawing/2014/main" id="{AFF4D8F6-29DA-4B6C-A871-A7884D0F2774}"/>
+                <a16:creationId xmlns:a16="http://schemas.microsoft.com/office/drawing/2014/main" xmlns="" id="{AFF4D8F6-29DA-4B6C-A871-A7884D0F2774}"/>
               </a:ext>
             </a:extLst>
           </p:cNvPr>
@@ -1455,7 +1460,7 @@
           <p:cNvPr id="7" name="Segnaposto numero diapositiva 6">
             <a:extLst>
               <a:ext uri="{FF2B5EF4-FFF2-40B4-BE49-F238E27FC236}">
-                <a16:creationId xmlns:a16="http://schemas.microsoft.com/office/drawing/2014/main" id="{08CA058A-EA86-4DFC-85E5-0C4FDAFF77AC}"/>
+                <a16:creationId xmlns:a16="http://schemas.microsoft.com/office/drawing/2014/main" xmlns="" id="{08CA058A-EA86-4DFC-85E5-0C4FDAFF77AC}"/>
               </a:ext>
             </a:extLst>
           </p:cNvPr>
@@ -1514,7 +1519,7 @@
           <p:cNvPr id="2" name="Titolo 1">
             <a:extLst>
               <a:ext uri="{FF2B5EF4-FFF2-40B4-BE49-F238E27FC236}">
-                <a16:creationId xmlns:a16="http://schemas.microsoft.com/office/drawing/2014/main" id="{57A92C78-A342-49B3-A0D4-1029603B04D7}"/>
+                <a16:creationId xmlns:a16="http://schemas.microsoft.com/office/drawing/2014/main" xmlns="" id="{57A92C78-A342-49B3-A0D4-1029603B04D7}"/>
               </a:ext>
             </a:extLst>
           </p:cNvPr>
@@ -1547,7 +1552,7 @@
           <p:cNvPr id="3" name="Segnaposto testo 2">
             <a:extLst>
               <a:ext uri="{FF2B5EF4-FFF2-40B4-BE49-F238E27FC236}">
-                <a16:creationId xmlns:a16="http://schemas.microsoft.com/office/drawing/2014/main" id="{07B3716D-4633-44B6-A7F5-5BF24BC1C7C5}"/>
+                <a16:creationId xmlns:a16="http://schemas.microsoft.com/office/drawing/2014/main" xmlns="" id="{07B3716D-4633-44B6-A7F5-5BF24BC1C7C5}"/>
               </a:ext>
             </a:extLst>
           </p:cNvPr>
@@ -1618,7 +1623,7 @@
           <p:cNvPr id="4" name="Segnaposto contenuto 3">
             <a:extLst>
               <a:ext uri="{FF2B5EF4-FFF2-40B4-BE49-F238E27FC236}">
-                <a16:creationId xmlns:a16="http://schemas.microsoft.com/office/drawing/2014/main" id="{3A663780-A097-4846-90EA-51E012F43636}"/>
+                <a16:creationId xmlns:a16="http://schemas.microsoft.com/office/drawing/2014/main" xmlns="" id="{3A663780-A097-4846-90EA-51E012F43636}"/>
               </a:ext>
             </a:extLst>
           </p:cNvPr>
@@ -1680,7 +1685,7 @@
           <p:cNvPr id="5" name="Segnaposto testo 4">
             <a:extLst>
               <a:ext uri="{FF2B5EF4-FFF2-40B4-BE49-F238E27FC236}">
-                <a16:creationId xmlns:a16="http://schemas.microsoft.com/office/drawing/2014/main" id="{715E202E-2CFF-42F2-BF66-581123EDA4CE}"/>
+                <a16:creationId xmlns:a16="http://schemas.microsoft.com/office/drawing/2014/main" xmlns="" id="{715E202E-2CFF-42F2-BF66-581123EDA4CE}"/>
               </a:ext>
             </a:extLst>
           </p:cNvPr>
@@ -1751,7 +1756,7 @@
           <p:cNvPr id="6" name="Segnaposto contenuto 5">
             <a:extLst>
               <a:ext uri="{FF2B5EF4-FFF2-40B4-BE49-F238E27FC236}">
-                <a16:creationId xmlns:a16="http://schemas.microsoft.com/office/drawing/2014/main" id="{4D3061F9-34CE-4F3B-B722-2F4E9A440A14}"/>
+                <a16:creationId xmlns:a16="http://schemas.microsoft.com/office/drawing/2014/main" xmlns="" id="{4D3061F9-34CE-4F3B-B722-2F4E9A440A14}"/>
               </a:ext>
             </a:extLst>
           </p:cNvPr>
@@ -1813,7 +1818,7 @@
           <p:cNvPr id="7" name="Segnaposto data 6">
             <a:extLst>
               <a:ext uri="{FF2B5EF4-FFF2-40B4-BE49-F238E27FC236}">
-                <a16:creationId xmlns:a16="http://schemas.microsoft.com/office/drawing/2014/main" id="{007FAF1E-F497-4AA4-A2AF-45B0B55613BB}"/>
+                <a16:creationId xmlns:a16="http://schemas.microsoft.com/office/drawing/2014/main" xmlns="" id="{007FAF1E-F497-4AA4-A2AF-45B0B55613BB}"/>
               </a:ext>
             </a:extLst>
           </p:cNvPr>
@@ -1831,7 +1836,7 @@
           <a:p>
             <a:fld id="{AC1E5FCC-6EAD-4C1E-BCE1-87BE87F79D7F}" type="datetimeFigureOut">
               <a:rPr lang="it-IT" smtClean="0"/>
-              <a:t>06/11/2017</a:t>
+              <a:t>07/11/2017</a:t>
             </a:fld>
             <a:endParaRPr lang="it-IT"/>
           </a:p>
@@ -1842,7 +1847,7 @@
           <p:cNvPr id="8" name="Segnaposto piè di pagina 7">
             <a:extLst>
               <a:ext uri="{FF2B5EF4-FFF2-40B4-BE49-F238E27FC236}">
-                <a16:creationId xmlns:a16="http://schemas.microsoft.com/office/drawing/2014/main" id="{26431881-95CF-4015-81E9-924077F37C2D}"/>
+                <a16:creationId xmlns:a16="http://schemas.microsoft.com/office/drawing/2014/main" xmlns="" id="{26431881-95CF-4015-81E9-924077F37C2D}"/>
               </a:ext>
             </a:extLst>
           </p:cNvPr>
@@ -1867,7 +1872,7 @@
           <p:cNvPr id="9" name="Segnaposto numero diapositiva 8">
             <a:extLst>
               <a:ext uri="{FF2B5EF4-FFF2-40B4-BE49-F238E27FC236}">
-                <a16:creationId xmlns:a16="http://schemas.microsoft.com/office/drawing/2014/main" id="{C291974D-EB38-401B-AD80-D9D691348AE2}"/>
+                <a16:creationId xmlns:a16="http://schemas.microsoft.com/office/drawing/2014/main" xmlns="" id="{C291974D-EB38-401B-AD80-D9D691348AE2}"/>
               </a:ext>
             </a:extLst>
           </p:cNvPr>
@@ -1926,7 +1931,7 @@
           <p:cNvPr id="2" name="Titolo 1">
             <a:extLst>
               <a:ext uri="{FF2B5EF4-FFF2-40B4-BE49-F238E27FC236}">
-                <a16:creationId xmlns:a16="http://schemas.microsoft.com/office/drawing/2014/main" id="{2B868D02-7080-4A85-982E-C522C815C9E1}"/>
+                <a16:creationId xmlns:a16="http://schemas.microsoft.com/office/drawing/2014/main" xmlns="" id="{2B868D02-7080-4A85-982E-C522C815C9E1}"/>
               </a:ext>
             </a:extLst>
           </p:cNvPr>
@@ -1954,7 +1959,7 @@
           <p:cNvPr id="3" name="Segnaposto data 2">
             <a:extLst>
               <a:ext uri="{FF2B5EF4-FFF2-40B4-BE49-F238E27FC236}">
-                <a16:creationId xmlns:a16="http://schemas.microsoft.com/office/drawing/2014/main" id="{F73D97E8-FD44-46AE-B995-1258CCE21F09}"/>
+                <a16:creationId xmlns:a16="http://schemas.microsoft.com/office/drawing/2014/main" xmlns="" id="{F73D97E8-FD44-46AE-B995-1258CCE21F09}"/>
               </a:ext>
             </a:extLst>
           </p:cNvPr>
@@ -1972,7 +1977,7 @@
           <a:p>
             <a:fld id="{AC1E5FCC-6EAD-4C1E-BCE1-87BE87F79D7F}" type="datetimeFigureOut">
               <a:rPr lang="it-IT" smtClean="0"/>
-              <a:t>06/11/2017</a:t>
+              <a:t>07/11/2017</a:t>
             </a:fld>
             <a:endParaRPr lang="it-IT"/>
           </a:p>
@@ -1983,7 +1988,7 @@
           <p:cNvPr id="4" name="Segnaposto piè di pagina 3">
             <a:extLst>
               <a:ext uri="{FF2B5EF4-FFF2-40B4-BE49-F238E27FC236}">
-                <a16:creationId xmlns:a16="http://schemas.microsoft.com/office/drawing/2014/main" id="{719E7E7C-9BAD-49B5-9A97-10FECE7D53E0}"/>
+                <a16:creationId xmlns:a16="http://schemas.microsoft.com/office/drawing/2014/main" xmlns="" id="{719E7E7C-9BAD-49B5-9A97-10FECE7D53E0}"/>
               </a:ext>
             </a:extLst>
           </p:cNvPr>
@@ -2008,7 +2013,7 @@
           <p:cNvPr id="5" name="Segnaposto numero diapositiva 4">
             <a:extLst>
               <a:ext uri="{FF2B5EF4-FFF2-40B4-BE49-F238E27FC236}">
-                <a16:creationId xmlns:a16="http://schemas.microsoft.com/office/drawing/2014/main" id="{172811B1-E0F8-4BFA-A644-FF8842AE678C}"/>
+                <a16:creationId xmlns:a16="http://schemas.microsoft.com/office/drawing/2014/main" xmlns="" id="{172811B1-E0F8-4BFA-A644-FF8842AE678C}"/>
               </a:ext>
             </a:extLst>
           </p:cNvPr>
@@ -2067,7 +2072,7 @@
           <p:cNvPr id="2" name="Segnaposto data 1">
             <a:extLst>
               <a:ext uri="{FF2B5EF4-FFF2-40B4-BE49-F238E27FC236}">
-                <a16:creationId xmlns:a16="http://schemas.microsoft.com/office/drawing/2014/main" id="{3439B73C-20CF-452E-A5D4-2EC1AB2D35FA}"/>
+                <a16:creationId xmlns:a16="http://schemas.microsoft.com/office/drawing/2014/main" xmlns="" id="{3439B73C-20CF-452E-A5D4-2EC1AB2D35FA}"/>
               </a:ext>
             </a:extLst>
           </p:cNvPr>
@@ -2085,7 +2090,7 @@
           <a:p>
             <a:fld id="{AC1E5FCC-6EAD-4C1E-BCE1-87BE87F79D7F}" type="datetimeFigureOut">
               <a:rPr lang="it-IT" smtClean="0"/>
-              <a:t>06/11/2017</a:t>
+              <a:t>07/11/2017</a:t>
             </a:fld>
             <a:endParaRPr lang="it-IT"/>
           </a:p>
@@ -2096,7 +2101,7 @@
           <p:cNvPr id="3" name="Segnaposto piè di pagina 2">
             <a:extLst>
               <a:ext uri="{FF2B5EF4-FFF2-40B4-BE49-F238E27FC236}">
-                <a16:creationId xmlns:a16="http://schemas.microsoft.com/office/drawing/2014/main" id="{D7F96827-8495-421D-9F1E-C3172AB2F4FC}"/>
+                <a16:creationId xmlns:a16="http://schemas.microsoft.com/office/drawing/2014/main" xmlns="" id="{D7F96827-8495-421D-9F1E-C3172AB2F4FC}"/>
               </a:ext>
             </a:extLst>
           </p:cNvPr>
@@ -2121,7 +2126,7 @@
           <p:cNvPr id="4" name="Segnaposto numero diapositiva 3">
             <a:extLst>
               <a:ext uri="{FF2B5EF4-FFF2-40B4-BE49-F238E27FC236}">
-                <a16:creationId xmlns:a16="http://schemas.microsoft.com/office/drawing/2014/main" id="{D81A2692-FF34-46F3-BFE0-4178F8FA65CC}"/>
+                <a16:creationId xmlns:a16="http://schemas.microsoft.com/office/drawing/2014/main" xmlns="" id="{D81A2692-FF34-46F3-BFE0-4178F8FA65CC}"/>
               </a:ext>
             </a:extLst>
           </p:cNvPr>
@@ -2180,7 +2185,7 @@
           <p:cNvPr id="2" name="Titolo 1">
             <a:extLst>
               <a:ext uri="{FF2B5EF4-FFF2-40B4-BE49-F238E27FC236}">
-                <a16:creationId xmlns:a16="http://schemas.microsoft.com/office/drawing/2014/main" id="{0C6EEA7E-7761-447F-A819-EA6F3F519C98}"/>
+                <a16:creationId xmlns:a16="http://schemas.microsoft.com/office/drawing/2014/main" xmlns="" id="{0C6EEA7E-7761-447F-A819-EA6F3F519C98}"/>
               </a:ext>
             </a:extLst>
           </p:cNvPr>
@@ -2217,7 +2222,7 @@
           <p:cNvPr id="3" name="Segnaposto contenuto 2">
             <a:extLst>
               <a:ext uri="{FF2B5EF4-FFF2-40B4-BE49-F238E27FC236}">
-                <a16:creationId xmlns:a16="http://schemas.microsoft.com/office/drawing/2014/main" id="{53A544FE-01C5-4321-A5CE-7C24563DFEE3}"/>
+                <a16:creationId xmlns:a16="http://schemas.microsoft.com/office/drawing/2014/main" xmlns="" id="{53A544FE-01C5-4321-A5CE-7C24563DFEE3}"/>
               </a:ext>
             </a:extLst>
           </p:cNvPr>
@@ -2307,7 +2312,7 @@
           <p:cNvPr id="4" name="Segnaposto testo 3">
             <a:extLst>
               <a:ext uri="{FF2B5EF4-FFF2-40B4-BE49-F238E27FC236}">
-                <a16:creationId xmlns:a16="http://schemas.microsoft.com/office/drawing/2014/main" id="{18041B7C-7FFD-4D33-9AFB-8FC9947C4584}"/>
+                <a16:creationId xmlns:a16="http://schemas.microsoft.com/office/drawing/2014/main" xmlns="" id="{18041B7C-7FFD-4D33-9AFB-8FC9947C4584}"/>
               </a:ext>
             </a:extLst>
           </p:cNvPr>
@@ -2378,7 +2383,7 @@
           <p:cNvPr id="5" name="Segnaposto data 4">
             <a:extLst>
               <a:ext uri="{FF2B5EF4-FFF2-40B4-BE49-F238E27FC236}">
-                <a16:creationId xmlns:a16="http://schemas.microsoft.com/office/drawing/2014/main" id="{A257C926-234D-4946-8CC9-3B6F3D0BFB50}"/>
+                <a16:creationId xmlns:a16="http://schemas.microsoft.com/office/drawing/2014/main" xmlns="" id="{A257C926-234D-4946-8CC9-3B6F3D0BFB50}"/>
               </a:ext>
             </a:extLst>
           </p:cNvPr>
@@ -2396,7 +2401,7 @@
           <a:p>
             <a:fld id="{AC1E5FCC-6EAD-4C1E-BCE1-87BE87F79D7F}" type="datetimeFigureOut">
               <a:rPr lang="it-IT" smtClean="0"/>
-              <a:t>06/11/2017</a:t>
+              <a:t>07/11/2017</a:t>
             </a:fld>
             <a:endParaRPr lang="it-IT"/>
           </a:p>
@@ -2407,7 +2412,7 @@
           <p:cNvPr id="6" name="Segnaposto piè di pagina 5">
             <a:extLst>
               <a:ext uri="{FF2B5EF4-FFF2-40B4-BE49-F238E27FC236}">
-                <a16:creationId xmlns:a16="http://schemas.microsoft.com/office/drawing/2014/main" id="{AEB7B5E2-DE40-4C56-9FBB-1D12901BD985}"/>
+                <a16:creationId xmlns:a16="http://schemas.microsoft.com/office/drawing/2014/main" xmlns="" id="{AEB7B5E2-DE40-4C56-9FBB-1D12901BD985}"/>
               </a:ext>
             </a:extLst>
           </p:cNvPr>
@@ -2432,7 +2437,7 @@
           <p:cNvPr id="7" name="Segnaposto numero diapositiva 6">
             <a:extLst>
               <a:ext uri="{FF2B5EF4-FFF2-40B4-BE49-F238E27FC236}">
-                <a16:creationId xmlns:a16="http://schemas.microsoft.com/office/drawing/2014/main" id="{B63BE31A-67AF-4A1B-842E-8E6EC5F061B8}"/>
+                <a16:creationId xmlns:a16="http://schemas.microsoft.com/office/drawing/2014/main" xmlns="" id="{B63BE31A-67AF-4A1B-842E-8E6EC5F061B8}"/>
               </a:ext>
             </a:extLst>
           </p:cNvPr>
@@ -2491,7 +2496,7 @@
           <p:cNvPr id="2" name="Titolo 1">
             <a:extLst>
               <a:ext uri="{FF2B5EF4-FFF2-40B4-BE49-F238E27FC236}">
-                <a16:creationId xmlns:a16="http://schemas.microsoft.com/office/drawing/2014/main" id="{7F62FFF6-66CA-48BF-A9D5-F86C7FF2CA3B}"/>
+                <a16:creationId xmlns:a16="http://schemas.microsoft.com/office/drawing/2014/main" xmlns="" id="{7F62FFF6-66CA-48BF-A9D5-F86C7FF2CA3B}"/>
               </a:ext>
             </a:extLst>
           </p:cNvPr>
@@ -2528,7 +2533,7 @@
           <p:cNvPr id="3" name="Segnaposto immagine 2">
             <a:extLst>
               <a:ext uri="{FF2B5EF4-FFF2-40B4-BE49-F238E27FC236}">
-                <a16:creationId xmlns:a16="http://schemas.microsoft.com/office/drawing/2014/main" id="{CA2D72BE-DDD3-4ACC-A645-41F2C65F2E96}"/>
+                <a16:creationId xmlns:a16="http://schemas.microsoft.com/office/drawing/2014/main" xmlns="" id="{CA2D72BE-DDD3-4ACC-A645-41F2C65F2E96}"/>
               </a:ext>
             </a:extLst>
           </p:cNvPr>
@@ -2595,7 +2600,7 @@
           <p:cNvPr id="4" name="Segnaposto testo 3">
             <a:extLst>
               <a:ext uri="{FF2B5EF4-FFF2-40B4-BE49-F238E27FC236}">
-                <a16:creationId xmlns:a16="http://schemas.microsoft.com/office/drawing/2014/main" id="{C0F2BEBB-AEA7-4E96-9C32-92A71CF6DF55}"/>
+                <a16:creationId xmlns:a16="http://schemas.microsoft.com/office/drawing/2014/main" xmlns="" id="{C0F2BEBB-AEA7-4E96-9C32-92A71CF6DF55}"/>
               </a:ext>
             </a:extLst>
           </p:cNvPr>
@@ -2666,7 +2671,7 @@
           <p:cNvPr id="5" name="Segnaposto data 4">
             <a:extLst>
               <a:ext uri="{FF2B5EF4-FFF2-40B4-BE49-F238E27FC236}">
-                <a16:creationId xmlns:a16="http://schemas.microsoft.com/office/drawing/2014/main" id="{80D04CAF-5942-4A7F-911C-52A94647CE1B}"/>
+                <a16:creationId xmlns:a16="http://schemas.microsoft.com/office/drawing/2014/main" xmlns="" id="{80D04CAF-5942-4A7F-911C-52A94647CE1B}"/>
               </a:ext>
             </a:extLst>
           </p:cNvPr>
@@ -2684,7 +2689,7 @@
           <a:p>
             <a:fld id="{AC1E5FCC-6EAD-4C1E-BCE1-87BE87F79D7F}" type="datetimeFigureOut">
               <a:rPr lang="it-IT" smtClean="0"/>
-              <a:t>06/11/2017</a:t>
+              <a:t>07/11/2017</a:t>
             </a:fld>
             <a:endParaRPr lang="it-IT"/>
           </a:p>
@@ -2695,7 +2700,7 @@
           <p:cNvPr id="6" name="Segnaposto piè di pagina 5">
             <a:extLst>
               <a:ext uri="{FF2B5EF4-FFF2-40B4-BE49-F238E27FC236}">
-                <a16:creationId xmlns:a16="http://schemas.microsoft.com/office/drawing/2014/main" id="{15FD96BB-26DB-499C-B94A-E475ACAA923F}"/>
+                <a16:creationId xmlns:a16="http://schemas.microsoft.com/office/drawing/2014/main" xmlns="" id="{15FD96BB-26DB-499C-B94A-E475ACAA923F}"/>
               </a:ext>
             </a:extLst>
           </p:cNvPr>
@@ -2720,7 +2725,7 @@
           <p:cNvPr id="7" name="Segnaposto numero diapositiva 6">
             <a:extLst>
               <a:ext uri="{FF2B5EF4-FFF2-40B4-BE49-F238E27FC236}">
-                <a16:creationId xmlns:a16="http://schemas.microsoft.com/office/drawing/2014/main" id="{FA05AD32-DC83-49A6-B51B-70699091C940}"/>
+                <a16:creationId xmlns:a16="http://schemas.microsoft.com/office/drawing/2014/main" xmlns="" id="{FA05AD32-DC83-49A6-B51B-70699091C940}"/>
               </a:ext>
             </a:extLst>
           </p:cNvPr>
@@ -2784,7 +2789,7 @@
           <p:cNvPr id="2" name="Segnaposto titolo 1">
             <a:extLst>
               <a:ext uri="{FF2B5EF4-FFF2-40B4-BE49-F238E27FC236}">
-                <a16:creationId xmlns:a16="http://schemas.microsoft.com/office/drawing/2014/main" id="{8E528946-3321-4446-B4A7-D0754E53DFB2}"/>
+                <a16:creationId xmlns:a16="http://schemas.microsoft.com/office/drawing/2014/main" xmlns="" id="{8E528946-3321-4446-B4A7-D0754E53DFB2}"/>
               </a:ext>
             </a:extLst>
           </p:cNvPr>
@@ -2822,7 +2827,7 @@
           <p:cNvPr id="3" name="Segnaposto testo 2">
             <a:extLst>
               <a:ext uri="{FF2B5EF4-FFF2-40B4-BE49-F238E27FC236}">
-                <a16:creationId xmlns:a16="http://schemas.microsoft.com/office/drawing/2014/main" id="{378C9C3A-0E27-4C0C-87D0-B501ED8BBF0B}"/>
+                <a16:creationId xmlns:a16="http://schemas.microsoft.com/office/drawing/2014/main" xmlns="" id="{378C9C3A-0E27-4C0C-87D0-B501ED8BBF0B}"/>
               </a:ext>
             </a:extLst>
           </p:cNvPr>
@@ -2889,7 +2894,7 @@
           <p:cNvPr id="4" name="Segnaposto data 3">
             <a:extLst>
               <a:ext uri="{FF2B5EF4-FFF2-40B4-BE49-F238E27FC236}">
-                <a16:creationId xmlns:a16="http://schemas.microsoft.com/office/drawing/2014/main" id="{E674D0AF-73E3-43EB-B5DE-AB2AA05379FE}"/>
+                <a16:creationId xmlns:a16="http://schemas.microsoft.com/office/drawing/2014/main" xmlns="" id="{E674D0AF-73E3-43EB-B5DE-AB2AA05379FE}"/>
               </a:ext>
             </a:extLst>
           </p:cNvPr>
@@ -2925,7 +2930,7 @@
           <a:p>
             <a:fld id="{AC1E5FCC-6EAD-4C1E-BCE1-87BE87F79D7F}" type="datetimeFigureOut">
               <a:rPr lang="it-IT" smtClean="0"/>
-              <a:t>06/11/2017</a:t>
+              <a:t>07/11/2017</a:t>
             </a:fld>
             <a:endParaRPr lang="it-IT"/>
           </a:p>
@@ -2936,7 +2941,7 @@
           <p:cNvPr id="5" name="Segnaposto piè di pagina 4">
             <a:extLst>
               <a:ext uri="{FF2B5EF4-FFF2-40B4-BE49-F238E27FC236}">
-                <a16:creationId xmlns:a16="http://schemas.microsoft.com/office/drawing/2014/main" id="{012496FE-C79A-41E4-8AC7-5E997E8D78B6}"/>
+                <a16:creationId xmlns:a16="http://schemas.microsoft.com/office/drawing/2014/main" xmlns="" id="{012496FE-C79A-41E4-8AC7-5E997E8D78B6}"/>
               </a:ext>
             </a:extLst>
           </p:cNvPr>
@@ -2979,7 +2984,7 @@
           <p:cNvPr id="6" name="Segnaposto numero diapositiva 5">
             <a:extLst>
               <a:ext uri="{FF2B5EF4-FFF2-40B4-BE49-F238E27FC236}">
-                <a16:creationId xmlns:a16="http://schemas.microsoft.com/office/drawing/2014/main" id="{17BC9756-068E-420A-A26A-BE25743DDE85}"/>
+                <a16:creationId xmlns:a16="http://schemas.microsoft.com/office/drawing/2014/main" xmlns="" id="{17BC9756-068E-420A-A26A-BE25743DDE85}"/>
               </a:ext>
             </a:extLst>
           </p:cNvPr>
@@ -3347,7 +3352,7 @@
           <p:cNvPr id="4" name="Immagine 3">
             <a:extLst>
               <a:ext uri="{FF2B5EF4-FFF2-40B4-BE49-F238E27FC236}">
-                <a16:creationId xmlns:a16="http://schemas.microsoft.com/office/drawing/2014/main" id="{B8EB17FB-7EFA-428E-BBFC-BEB504C5CCF2}"/>
+                <a16:creationId xmlns:a16="http://schemas.microsoft.com/office/drawing/2014/main" xmlns="" id="{B8EB17FB-7EFA-428E-BBFC-BEB504C5CCF2}"/>
               </a:ext>
             </a:extLst>
           </p:cNvPr>
@@ -3407,7 +3412,7 @@
           <p:cNvPr id="3" name="Immagine 2">
             <a:extLst>
               <a:ext uri="{FF2B5EF4-FFF2-40B4-BE49-F238E27FC236}">
-                <a16:creationId xmlns:a16="http://schemas.microsoft.com/office/drawing/2014/main" id="{F98F61C2-6973-4F99-A061-B093A2F3BBC3}"/>
+                <a16:creationId xmlns:a16="http://schemas.microsoft.com/office/drawing/2014/main" xmlns="" id="{F98F61C2-6973-4F99-A061-B093A2F3BBC3}"/>
               </a:ext>
             </a:extLst>
           </p:cNvPr>
@@ -3437,7 +3442,7 @@
           <p:cNvPr id="4" name="Immagine 3">
             <a:extLst>
               <a:ext uri="{FF2B5EF4-FFF2-40B4-BE49-F238E27FC236}">
-                <a16:creationId xmlns:a16="http://schemas.microsoft.com/office/drawing/2014/main" id="{FC7E9D67-78EA-4F28-B46D-17751BEEA290}"/>
+                <a16:creationId xmlns:a16="http://schemas.microsoft.com/office/drawing/2014/main" xmlns="" id="{FC7E9D67-78EA-4F28-B46D-17751BEEA290}"/>
               </a:ext>
             </a:extLst>
           </p:cNvPr>
@@ -3497,7 +3502,7 @@
           <p:cNvPr id="6" name="Rettangolo 5">
             <a:extLst>
               <a:ext uri="{FF2B5EF4-FFF2-40B4-BE49-F238E27FC236}">
-                <a16:creationId xmlns:a16="http://schemas.microsoft.com/office/drawing/2014/main" id="{80A8A6E0-1FE8-41D2-A182-C1A6908335ED}"/>
+                <a16:creationId xmlns:a16="http://schemas.microsoft.com/office/drawing/2014/main" xmlns="" id="{80A8A6E0-1FE8-41D2-A182-C1A6908335ED}"/>
               </a:ext>
             </a:extLst>
           </p:cNvPr>
@@ -3545,7 +3550,7 @@
           <p:cNvPr id="7" name="Rettangolo 6">
             <a:extLst>
               <a:ext uri="{FF2B5EF4-FFF2-40B4-BE49-F238E27FC236}">
-                <a16:creationId xmlns:a16="http://schemas.microsoft.com/office/drawing/2014/main" id="{BEF0AFF8-9F59-40E7-A31D-1F6DE48D150E}"/>
+                <a16:creationId xmlns:a16="http://schemas.microsoft.com/office/drawing/2014/main" xmlns="" id="{BEF0AFF8-9F59-40E7-A31D-1F6DE48D150E}"/>
               </a:ext>
             </a:extLst>
           </p:cNvPr>
@@ -3582,7 +3587,7 @@
           <a:lstStyle/>
           <a:p>
             <a:pPr algn="ctr"/>
-            <a:endParaRPr lang="it-IT"/>
+            <a:endParaRPr lang="it-IT" dirty="0"/>
           </a:p>
         </p:txBody>
       </p:sp>
@@ -3621,7 +3626,7 @@
           <p:cNvPr id="2" name="Immagine 1">
             <a:extLst>
               <a:ext uri="{FF2B5EF4-FFF2-40B4-BE49-F238E27FC236}">
-                <a16:creationId xmlns:a16="http://schemas.microsoft.com/office/drawing/2014/main" id="{2FAF81FD-F7A2-446B-8F4C-2E29D4F469EC}"/>
+                <a16:creationId xmlns:a16="http://schemas.microsoft.com/office/drawing/2014/main" xmlns="" id="{2FAF81FD-F7A2-446B-8F4C-2E29D4F469EC}"/>
               </a:ext>
             </a:extLst>
           </p:cNvPr>
@@ -3681,7 +3686,7 @@
           <p:cNvPr id="2" name="Immagine 1">
             <a:extLst>
               <a:ext uri="{FF2B5EF4-FFF2-40B4-BE49-F238E27FC236}">
-                <a16:creationId xmlns:a16="http://schemas.microsoft.com/office/drawing/2014/main" id="{A8184B0D-1431-4E1A-9D4F-30E147A36A6F}"/>
+                <a16:creationId xmlns:a16="http://schemas.microsoft.com/office/drawing/2014/main" xmlns="" id="{A8184B0D-1431-4E1A-9D4F-30E147A36A6F}"/>
               </a:ext>
             </a:extLst>
           </p:cNvPr>
@@ -3741,7 +3746,7 @@
           <p:cNvPr id="2" name="Immagine 1">
             <a:extLst>
               <a:ext uri="{FF2B5EF4-FFF2-40B4-BE49-F238E27FC236}">
-                <a16:creationId xmlns:a16="http://schemas.microsoft.com/office/drawing/2014/main" id="{43E03115-AC33-423F-9933-142F88D7C841}"/>
+                <a16:creationId xmlns:a16="http://schemas.microsoft.com/office/drawing/2014/main" xmlns="" id="{43E03115-AC33-423F-9933-142F88D7C841}"/>
               </a:ext>
             </a:extLst>
           </p:cNvPr>
@@ -3766,6 +3771,40 @@
           </a:prstGeom>
         </p:spPr>
       </p:pic>
+      <p:sp>
+        <p:nvSpPr>
+          <p:cNvPr id="3" name="CasellaDiTesto 2"/>
+          <p:cNvSpPr txBox="1"/>
+          <p:nvPr/>
+        </p:nvSpPr>
+        <p:spPr>
+          <a:xfrm>
+            <a:off x="3522338" y="182479"/>
+            <a:ext cx="5190186" cy="523220"/>
+          </a:xfrm>
+          <a:prstGeom prst="rect">
+            <a:avLst/>
+          </a:prstGeom>
+          <a:noFill/>
+        </p:spPr>
+        <p:txBody>
+          <a:bodyPr wrap="square" rtlCol="0">
+            <a:spAutoFit/>
+          </a:bodyPr>
+          <a:lstStyle/>
+          <a:p>
+            <a:r>
+              <a:rPr lang="it-IT" sz="2800" dirty="0" smtClean="0"/>
+              <a:t>Management of </a:t>
+            </a:r>
+            <a:r>
+              <a:rPr lang="en-GB" sz="2800" dirty="0" smtClean="0"/>
+              <a:t>Appointments</a:t>
+            </a:r>
+            <a:endParaRPr lang="en-GB" sz="2800" dirty="0"/>
+          </a:p>
+        </p:txBody>
+      </p:sp>
     </p:spTree>
     <p:extLst>
       <p:ext uri="{BB962C8B-B14F-4D97-AF65-F5344CB8AC3E}">
@@ -3801,7 +3840,7 @@
           <p:cNvPr id="2" name="Immagine 1">
             <a:extLst>
               <a:ext uri="{FF2B5EF4-FFF2-40B4-BE49-F238E27FC236}">
-                <a16:creationId xmlns:a16="http://schemas.microsoft.com/office/drawing/2014/main" id="{F9877BF7-4FE1-4687-B29A-F9364F391720}"/>
+                <a16:creationId xmlns:a16="http://schemas.microsoft.com/office/drawing/2014/main" xmlns="" id="{F9877BF7-4FE1-4687-B29A-F9364F391720}"/>
               </a:ext>
             </a:extLst>
           </p:cNvPr>
@@ -3826,6 +3865,40 @@
           </a:prstGeom>
         </p:spPr>
       </p:pic>
+      <p:sp>
+        <p:nvSpPr>
+          <p:cNvPr id="3" name="CasellaDiTesto 2"/>
+          <p:cNvSpPr txBox="1"/>
+          <p:nvPr/>
+        </p:nvSpPr>
+        <p:spPr>
+          <a:xfrm>
+            <a:off x="4639614" y="280987"/>
+            <a:ext cx="5190186" cy="523220"/>
+          </a:xfrm>
+          <a:prstGeom prst="rect">
+            <a:avLst/>
+          </a:prstGeom>
+          <a:noFill/>
+        </p:spPr>
+        <p:txBody>
+          <a:bodyPr wrap="square" rtlCol="0">
+            <a:spAutoFit/>
+          </a:bodyPr>
+          <a:lstStyle/>
+          <a:p>
+            <a:r>
+              <a:rPr lang="it-IT" sz="2800" dirty="0" smtClean="0"/>
+              <a:t>Travel </a:t>
+            </a:r>
+            <a:r>
+              <a:rPr lang="en-GB" sz="2800" dirty="0" smtClean="0"/>
+              <a:t>scheduling</a:t>
+            </a:r>
+            <a:endParaRPr lang="en-GB" sz="2800" dirty="0"/>
+          </a:p>
+        </p:txBody>
+      </p:sp>
     </p:spTree>
     <p:extLst>
       <p:ext uri="{BB962C8B-B14F-4D97-AF65-F5344CB8AC3E}">
@@ -3861,7 +3934,7 @@
           <p:cNvPr id="6" name="Rettangolo 5">
             <a:extLst>
               <a:ext uri="{FF2B5EF4-FFF2-40B4-BE49-F238E27FC236}">
-                <a16:creationId xmlns:a16="http://schemas.microsoft.com/office/drawing/2014/main" id="{80A8A6E0-1FE8-41D2-A182-C1A6908335ED}"/>
+                <a16:creationId xmlns:a16="http://schemas.microsoft.com/office/drawing/2014/main" xmlns="" id="{80A8A6E0-1FE8-41D2-A182-C1A6908335ED}"/>
               </a:ext>
             </a:extLst>
           </p:cNvPr>
@@ -3909,7 +3982,7 @@
           <p:cNvPr id="7" name="Rettangolo 6">
             <a:extLst>
               <a:ext uri="{FF2B5EF4-FFF2-40B4-BE49-F238E27FC236}">
-                <a16:creationId xmlns:a16="http://schemas.microsoft.com/office/drawing/2014/main" id="{BEF0AFF8-9F59-40E7-A31D-1F6DE48D150E}"/>
+                <a16:creationId xmlns:a16="http://schemas.microsoft.com/office/drawing/2014/main" xmlns="" id="{BEF0AFF8-9F59-40E7-A31D-1F6DE48D150E}"/>
               </a:ext>
             </a:extLst>
           </p:cNvPr>
@@ -3985,7 +4058,7 @@
           <p:cNvPr id="2" name="Immagine 1">
             <a:extLst>
               <a:ext uri="{FF2B5EF4-FFF2-40B4-BE49-F238E27FC236}">
-                <a16:creationId xmlns:a16="http://schemas.microsoft.com/office/drawing/2014/main" id="{251C12E7-02F4-40D9-9A05-D1868E956BE0}"/>
+                <a16:creationId xmlns:a16="http://schemas.microsoft.com/office/drawing/2014/main" xmlns="" id="{251C12E7-02F4-40D9-9A05-D1868E956BE0}"/>
               </a:ext>
             </a:extLst>
           </p:cNvPr>
@@ -4045,7 +4118,7 @@
           <p:cNvPr id="2" name="Immagine 1">
             <a:extLst>
               <a:ext uri="{FF2B5EF4-FFF2-40B4-BE49-F238E27FC236}">
-                <a16:creationId xmlns:a16="http://schemas.microsoft.com/office/drawing/2014/main" id="{D3636129-A43D-4C5A-92FC-5FDD4D4C3592}"/>
+                <a16:creationId xmlns:a16="http://schemas.microsoft.com/office/drawing/2014/main" xmlns="" id="{D3636129-A43D-4C5A-92FC-5FDD4D4C3592}"/>
               </a:ext>
             </a:extLst>
           </p:cNvPr>
@@ -4105,7 +4178,7 @@
           <p:cNvPr id="2" name="Immagine 1">
             <a:extLst>
               <a:ext uri="{FF2B5EF4-FFF2-40B4-BE49-F238E27FC236}">
-                <a16:creationId xmlns:a16="http://schemas.microsoft.com/office/drawing/2014/main" id="{4924CEFD-FA7D-4E48-AC80-A96918618982}"/>
+                <a16:creationId xmlns:a16="http://schemas.microsoft.com/office/drawing/2014/main" xmlns="" id="{4924CEFD-FA7D-4E48-AC80-A96918618982}"/>
               </a:ext>
             </a:extLst>
           </p:cNvPr>
@@ -4165,7 +4238,7 @@
           <p:cNvPr id="6" name="Rettangolo 5">
             <a:extLst>
               <a:ext uri="{FF2B5EF4-FFF2-40B4-BE49-F238E27FC236}">
-                <a16:creationId xmlns:a16="http://schemas.microsoft.com/office/drawing/2014/main" id="{80A8A6E0-1FE8-41D2-A182-C1A6908335ED}"/>
+                <a16:creationId xmlns:a16="http://schemas.microsoft.com/office/drawing/2014/main" xmlns="" id="{80A8A6E0-1FE8-41D2-A182-C1A6908335ED}"/>
               </a:ext>
             </a:extLst>
           </p:cNvPr>
@@ -4213,7 +4286,7 @@
           <p:cNvPr id="7" name="Rettangolo 6">
             <a:extLst>
               <a:ext uri="{FF2B5EF4-FFF2-40B4-BE49-F238E27FC236}">
-                <a16:creationId xmlns:a16="http://schemas.microsoft.com/office/drawing/2014/main" id="{BEF0AFF8-9F59-40E7-A31D-1F6DE48D150E}"/>
+                <a16:creationId xmlns:a16="http://schemas.microsoft.com/office/drawing/2014/main" xmlns="" id="{BEF0AFF8-9F59-40E7-A31D-1F6DE48D150E}"/>
               </a:ext>
             </a:extLst>
           </p:cNvPr>
@@ -4250,7 +4323,7 @@
           <a:lstStyle/>
           <a:p>
             <a:pPr algn="ctr"/>
-            <a:endParaRPr lang="it-IT"/>
+            <a:endParaRPr lang="it-IT" dirty="0"/>
           </a:p>
         </p:txBody>
       </p:sp>
@@ -4289,7 +4362,7 @@
           <p:cNvPr id="6" name="Rettangolo 5">
             <a:extLst>
               <a:ext uri="{FF2B5EF4-FFF2-40B4-BE49-F238E27FC236}">
-                <a16:creationId xmlns:a16="http://schemas.microsoft.com/office/drawing/2014/main" id="{80A8A6E0-1FE8-41D2-A182-C1A6908335ED}"/>
+                <a16:creationId xmlns:a16="http://schemas.microsoft.com/office/drawing/2014/main" xmlns="" id="{80A8A6E0-1FE8-41D2-A182-C1A6908335ED}"/>
               </a:ext>
             </a:extLst>
           </p:cNvPr>
@@ -4337,7 +4410,7 @@
           <p:cNvPr id="7" name="Rettangolo 6">
             <a:extLst>
               <a:ext uri="{FF2B5EF4-FFF2-40B4-BE49-F238E27FC236}">
-                <a16:creationId xmlns:a16="http://schemas.microsoft.com/office/drawing/2014/main" id="{BEF0AFF8-9F59-40E7-A31D-1F6DE48D150E}"/>
+                <a16:creationId xmlns:a16="http://schemas.microsoft.com/office/drawing/2014/main" xmlns="" id="{BEF0AFF8-9F59-40E7-A31D-1F6DE48D150E}"/>
               </a:ext>
             </a:extLst>
           </p:cNvPr>
@@ -4413,7 +4486,7 @@
           <p:cNvPr id="2" name="Immagine 1">
             <a:extLst>
               <a:ext uri="{FF2B5EF4-FFF2-40B4-BE49-F238E27FC236}">
-                <a16:creationId xmlns:a16="http://schemas.microsoft.com/office/drawing/2014/main" id="{805CB0D8-05F3-438E-899F-07C3F607D78A}"/>
+                <a16:creationId xmlns:a16="http://schemas.microsoft.com/office/drawing/2014/main" xmlns="" id="{805CB0D8-05F3-438E-899F-07C3F607D78A}"/>
               </a:ext>
             </a:extLst>
           </p:cNvPr>
@@ -4443,7 +4516,7 @@
           <p:cNvPr id="3" name="Immagine 2">
             <a:extLst>
               <a:ext uri="{FF2B5EF4-FFF2-40B4-BE49-F238E27FC236}">
-                <a16:creationId xmlns:a16="http://schemas.microsoft.com/office/drawing/2014/main" id="{05AA6840-3623-49AD-9FBB-305FDABEF861}"/>
+                <a16:creationId xmlns:a16="http://schemas.microsoft.com/office/drawing/2014/main" xmlns="" id="{05AA6840-3623-49AD-9FBB-305FDABEF861}"/>
               </a:ext>
             </a:extLst>
           </p:cNvPr>
@@ -4503,7 +4576,7 @@
           <p:cNvPr id="2" name="Immagine 1">
             <a:extLst>
               <a:ext uri="{FF2B5EF4-FFF2-40B4-BE49-F238E27FC236}">
-                <a16:creationId xmlns:a16="http://schemas.microsoft.com/office/drawing/2014/main" id="{6F520863-55B2-4100-9031-7E9176D0DBBF}"/>
+                <a16:creationId xmlns:a16="http://schemas.microsoft.com/office/drawing/2014/main" xmlns="" id="{6F520863-55B2-4100-9031-7E9176D0DBBF}"/>
               </a:ext>
             </a:extLst>
           </p:cNvPr>
@@ -4563,7 +4636,7 @@
           <p:cNvPr id="2" name="Immagine 1">
             <a:extLst>
               <a:ext uri="{FF2B5EF4-FFF2-40B4-BE49-F238E27FC236}">
-                <a16:creationId xmlns:a16="http://schemas.microsoft.com/office/drawing/2014/main" id="{FB7D2207-487B-47D2-BBDC-0766522EAE91}"/>
+                <a16:creationId xmlns:a16="http://schemas.microsoft.com/office/drawing/2014/main" xmlns="" id="{FB7D2207-487B-47D2-BBDC-0766522EAE91}"/>
               </a:ext>
             </a:extLst>
           </p:cNvPr>
@@ -4593,7 +4666,7 @@
           <p:cNvPr id="3" name="Immagine 2">
             <a:extLst>
               <a:ext uri="{FF2B5EF4-FFF2-40B4-BE49-F238E27FC236}">
-                <a16:creationId xmlns:a16="http://schemas.microsoft.com/office/drawing/2014/main" id="{0D217A56-F3AE-469B-8A1E-B2D3908C18CF}"/>
+                <a16:creationId xmlns:a16="http://schemas.microsoft.com/office/drawing/2014/main" xmlns="" id="{0D217A56-F3AE-469B-8A1E-B2D3908C18CF}"/>
               </a:ext>
             </a:extLst>
           </p:cNvPr>
@@ -4623,7 +4696,7 @@
           <p:cNvPr id="4" name="Immagine 3">
             <a:extLst>
               <a:ext uri="{FF2B5EF4-FFF2-40B4-BE49-F238E27FC236}">
-                <a16:creationId xmlns:a16="http://schemas.microsoft.com/office/drawing/2014/main" id="{EB8E202A-0C8D-4AFD-AF2B-BCC1BCC5E737}"/>
+                <a16:creationId xmlns:a16="http://schemas.microsoft.com/office/drawing/2014/main" xmlns="" id="{EB8E202A-0C8D-4AFD-AF2B-BCC1BCC5E737}"/>
               </a:ext>
             </a:extLst>
           </p:cNvPr>
@@ -4653,7 +4726,7 @@
           <p:cNvPr id="5" name="Immagine 4">
             <a:extLst>
               <a:ext uri="{FF2B5EF4-FFF2-40B4-BE49-F238E27FC236}">
-                <a16:creationId xmlns:a16="http://schemas.microsoft.com/office/drawing/2014/main" id="{AA3C0BFC-CFE2-4FB5-A870-6ABAF775CFCB}"/>
+                <a16:creationId xmlns:a16="http://schemas.microsoft.com/office/drawing/2014/main" xmlns="" id="{AA3C0BFC-CFE2-4FB5-A870-6ABAF775CFCB}"/>
               </a:ext>
             </a:extLst>
           </p:cNvPr>
@@ -4713,7 +4786,7 @@
           <p:cNvPr id="2" name="Immagine 1">
             <a:extLst>
               <a:ext uri="{FF2B5EF4-FFF2-40B4-BE49-F238E27FC236}">
-                <a16:creationId xmlns:a16="http://schemas.microsoft.com/office/drawing/2014/main" id="{23583D62-3510-488C-976A-303D890D8549}"/>
+                <a16:creationId xmlns:a16="http://schemas.microsoft.com/office/drawing/2014/main" xmlns="" id="{23583D62-3510-488C-976A-303D890D8549}"/>
               </a:ext>
             </a:extLst>
           </p:cNvPr>
@@ -4743,7 +4816,7 @@
           <p:cNvPr id="3" name="Immagine 2">
             <a:extLst>
               <a:ext uri="{FF2B5EF4-FFF2-40B4-BE49-F238E27FC236}">
-                <a16:creationId xmlns:a16="http://schemas.microsoft.com/office/drawing/2014/main" id="{9915DE21-9A4A-4774-981E-3DF5C92EF409}"/>
+                <a16:creationId xmlns:a16="http://schemas.microsoft.com/office/drawing/2014/main" xmlns="" id="{9915DE21-9A4A-4774-981E-3DF5C92EF409}"/>
               </a:ext>
             </a:extLst>
           </p:cNvPr>
@@ -4773,7 +4846,7 @@
           <p:cNvPr id="5" name="Immagine 4">
             <a:extLst>
               <a:ext uri="{FF2B5EF4-FFF2-40B4-BE49-F238E27FC236}">
-                <a16:creationId xmlns:a16="http://schemas.microsoft.com/office/drawing/2014/main" id="{CA0D1191-5D38-471A-B518-D5A05DA5804E}"/>
+                <a16:creationId xmlns:a16="http://schemas.microsoft.com/office/drawing/2014/main" xmlns="" id="{CA0D1191-5D38-471A-B518-D5A05DA5804E}"/>
               </a:ext>
             </a:extLst>
           </p:cNvPr>
@@ -4803,7 +4876,7 @@
           <p:cNvPr id="6" name="Immagine 5">
             <a:extLst>
               <a:ext uri="{FF2B5EF4-FFF2-40B4-BE49-F238E27FC236}">
-                <a16:creationId xmlns:a16="http://schemas.microsoft.com/office/drawing/2014/main" id="{48A8EAA3-5E04-4138-BB88-6AF1B4EE2757}"/>
+                <a16:creationId xmlns:a16="http://schemas.microsoft.com/office/drawing/2014/main" xmlns="" id="{48A8EAA3-5E04-4138-BB88-6AF1B4EE2757}"/>
               </a:ext>
             </a:extLst>
           </p:cNvPr>
@@ -4863,7 +4936,7 @@
           <p:cNvPr id="3" name="Immagine 2">
             <a:extLst>
               <a:ext uri="{FF2B5EF4-FFF2-40B4-BE49-F238E27FC236}">
-                <a16:creationId xmlns:a16="http://schemas.microsoft.com/office/drawing/2014/main" id="{934639C2-B565-4851-A960-EC86E4398C7C}"/>
+                <a16:creationId xmlns:a16="http://schemas.microsoft.com/office/drawing/2014/main" xmlns="" id="{934639C2-B565-4851-A960-EC86E4398C7C}"/>
               </a:ext>
             </a:extLst>
           </p:cNvPr>
@@ -4893,7 +4966,7 @@
           <p:cNvPr id="4" name="Immagine 3">
             <a:extLst>
               <a:ext uri="{FF2B5EF4-FFF2-40B4-BE49-F238E27FC236}">
-                <a16:creationId xmlns:a16="http://schemas.microsoft.com/office/drawing/2014/main" id="{A49B4005-53E8-4211-A467-C7065085AF83}"/>
+                <a16:creationId xmlns:a16="http://schemas.microsoft.com/office/drawing/2014/main" xmlns="" id="{A49B4005-53E8-4211-A467-C7065085AF83}"/>
               </a:ext>
             </a:extLst>
           </p:cNvPr>
@@ -4923,7 +4996,7 @@
           <p:cNvPr id="5" name="Immagine 4">
             <a:extLst>
               <a:ext uri="{FF2B5EF4-FFF2-40B4-BE49-F238E27FC236}">
-                <a16:creationId xmlns:a16="http://schemas.microsoft.com/office/drawing/2014/main" id="{9A7054D5-3ED6-4B3B-8D42-7443ADF1F44D}"/>
+                <a16:creationId xmlns:a16="http://schemas.microsoft.com/office/drawing/2014/main" xmlns="" id="{9A7054D5-3ED6-4B3B-8D42-7443ADF1F44D}"/>
               </a:ext>
             </a:extLst>
           </p:cNvPr>
@@ -4983,7 +5056,7 @@
           <p:cNvPr id="2" name="Immagine 1">
             <a:extLst>
               <a:ext uri="{FF2B5EF4-FFF2-40B4-BE49-F238E27FC236}">
-                <a16:creationId xmlns:a16="http://schemas.microsoft.com/office/drawing/2014/main" id="{4F0AC497-9404-4A51-87EB-926BA41B3184}"/>
+                <a16:creationId xmlns:a16="http://schemas.microsoft.com/office/drawing/2014/main" xmlns="" id="{4F0AC497-9404-4A51-87EB-926BA41B3184}"/>
               </a:ext>
             </a:extLst>
           </p:cNvPr>
@@ -5013,7 +5086,7 @@
           <p:cNvPr id="3" name="Immagine 2">
             <a:extLst>
               <a:ext uri="{FF2B5EF4-FFF2-40B4-BE49-F238E27FC236}">
-                <a16:creationId xmlns:a16="http://schemas.microsoft.com/office/drawing/2014/main" id="{485A250E-5308-4F72-B08B-D84A247BD40F}"/>
+                <a16:creationId xmlns:a16="http://schemas.microsoft.com/office/drawing/2014/main" xmlns="" id="{485A250E-5308-4F72-B08B-D84A247BD40F}"/>
               </a:ext>
             </a:extLst>
           </p:cNvPr>
@@ -5073,7 +5146,7 @@
           <p:cNvPr id="2" name="Immagine 1">
             <a:extLst>
               <a:ext uri="{FF2B5EF4-FFF2-40B4-BE49-F238E27FC236}">
-                <a16:creationId xmlns:a16="http://schemas.microsoft.com/office/drawing/2014/main" id="{8AA8AF28-E5F3-4B13-ABB1-E5405E6352C3}"/>
+                <a16:creationId xmlns:a16="http://schemas.microsoft.com/office/drawing/2014/main" xmlns="" id="{8AA8AF28-E5F3-4B13-ABB1-E5405E6352C3}"/>
               </a:ext>
             </a:extLst>
           </p:cNvPr>
@@ -5103,7 +5176,7 @@
           <p:cNvPr id="4" name="Immagine 3">
             <a:extLst>
               <a:ext uri="{FF2B5EF4-FFF2-40B4-BE49-F238E27FC236}">
-                <a16:creationId xmlns:a16="http://schemas.microsoft.com/office/drawing/2014/main" id="{8991E0F3-F0A8-47D4-999A-E5D8B57F0EFB}"/>
+                <a16:creationId xmlns:a16="http://schemas.microsoft.com/office/drawing/2014/main" xmlns="" id="{8991E0F3-F0A8-47D4-999A-E5D8B57F0EFB}"/>
               </a:ext>
             </a:extLst>
           </p:cNvPr>
@@ -5163,7 +5236,7 @@
           <p:cNvPr id="2" name="Immagine 1">
             <a:extLst>
               <a:ext uri="{FF2B5EF4-FFF2-40B4-BE49-F238E27FC236}">
-                <a16:creationId xmlns:a16="http://schemas.microsoft.com/office/drawing/2014/main" id="{279A1D12-1BB4-4EB1-91C2-C326D71E29F3}"/>
+                <a16:creationId xmlns:a16="http://schemas.microsoft.com/office/drawing/2014/main" xmlns="" id="{279A1D12-1BB4-4EB1-91C2-C326D71E29F3}"/>
               </a:ext>
             </a:extLst>
           </p:cNvPr>
@@ -5193,7 +5266,7 @@
           <p:cNvPr id="3" name="Immagine 2">
             <a:extLst>
               <a:ext uri="{FF2B5EF4-FFF2-40B4-BE49-F238E27FC236}">
-                <a16:creationId xmlns:a16="http://schemas.microsoft.com/office/drawing/2014/main" id="{2CB8BB66-7E88-4336-BA8E-0D2C01E100D3}"/>
+                <a16:creationId xmlns:a16="http://schemas.microsoft.com/office/drawing/2014/main" xmlns="" id="{2CB8BB66-7E88-4336-BA8E-0D2C01E100D3}"/>
               </a:ext>
             </a:extLst>
           </p:cNvPr>
@@ -5223,7 +5296,7 @@
           <p:cNvPr id="4" name="Immagine 3">
             <a:extLst>
               <a:ext uri="{FF2B5EF4-FFF2-40B4-BE49-F238E27FC236}">
-                <a16:creationId xmlns:a16="http://schemas.microsoft.com/office/drawing/2014/main" id="{BFFEB822-A14C-40D3-A44B-587B50F1AF28}"/>
+                <a16:creationId xmlns:a16="http://schemas.microsoft.com/office/drawing/2014/main" xmlns="" id="{BFFEB822-A14C-40D3-A44B-587B50F1AF28}"/>
               </a:ext>
             </a:extLst>
           </p:cNvPr>
@@ -5253,7 +5326,7 @@
           <p:cNvPr id="5" name="Immagine 4">
             <a:extLst>
               <a:ext uri="{FF2B5EF4-FFF2-40B4-BE49-F238E27FC236}">
-                <a16:creationId xmlns:a16="http://schemas.microsoft.com/office/drawing/2014/main" id="{87888FF1-1649-454D-B664-A223043BC72D}"/>
+                <a16:creationId xmlns:a16="http://schemas.microsoft.com/office/drawing/2014/main" xmlns="" id="{87888FF1-1649-454D-B664-A223043BC72D}"/>
               </a:ext>
             </a:extLst>
           </p:cNvPr>
@@ -5313,7 +5386,7 @@
           <p:cNvPr id="2" name="Immagine 1">
             <a:extLst>
               <a:ext uri="{FF2B5EF4-FFF2-40B4-BE49-F238E27FC236}">
-                <a16:creationId xmlns:a16="http://schemas.microsoft.com/office/drawing/2014/main" id="{ACAC4AC4-8E0A-4E52-99CA-485E226298AE}"/>
+                <a16:creationId xmlns:a16="http://schemas.microsoft.com/office/drawing/2014/main" xmlns="" id="{ACAC4AC4-8E0A-4E52-99CA-485E226298AE}"/>
               </a:ext>
             </a:extLst>
           </p:cNvPr>
@@ -5343,7 +5416,7 @@
           <p:cNvPr id="4" name="Immagine 3">
             <a:extLst>
               <a:ext uri="{FF2B5EF4-FFF2-40B4-BE49-F238E27FC236}">
-                <a16:creationId xmlns:a16="http://schemas.microsoft.com/office/drawing/2014/main" id="{F29CE429-EC8B-4FED-BC49-62239E70314A}"/>
+                <a16:creationId xmlns:a16="http://schemas.microsoft.com/office/drawing/2014/main" xmlns="" id="{F29CE429-EC8B-4FED-BC49-62239E70314A}"/>
               </a:ext>
             </a:extLst>
           </p:cNvPr>
@@ -5373,7 +5446,7 @@
           <p:cNvPr id="5" name="Immagine 4">
             <a:extLst>
               <a:ext uri="{FF2B5EF4-FFF2-40B4-BE49-F238E27FC236}">
-                <a16:creationId xmlns:a16="http://schemas.microsoft.com/office/drawing/2014/main" id="{59263CC5-4741-41B2-A89F-7CE187D36E5A}"/>
+                <a16:creationId xmlns:a16="http://schemas.microsoft.com/office/drawing/2014/main" xmlns="" id="{59263CC5-4741-41B2-A89F-7CE187D36E5A}"/>
               </a:ext>
             </a:extLst>
           </p:cNvPr>
@@ -5403,7 +5476,7 @@
           <p:cNvPr id="6" name="Immagine 5">
             <a:extLst>
               <a:ext uri="{FF2B5EF4-FFF2-40B4-BE49-F238E27FC236}">
-                <a16:creationId xmlns:a16="http://schemas.microsoft.com/office/drawing/2014/main" id="{7C80BC8E-85A6-4ED9-9BA5-4618AA9A2F1E}"/>
+                <a16:creationId xmlns:a16="http://schemas.microsoft.com/office/drawing/2014/main" xmlns="" id="{7C80BC8E-85A6-4ED9-9BA5-4618AA9A2F1E}"/>
               </a:ext>
             </a:extLst>
           </p:cNvPr>
